--- a/Slides/QLS-MiCM_IntroToPython.pptx
+++ b/Slides/QLS-MiCM_IntroToPython.pptx
@@ -223,7 +223,7 @@
           <a:p>
             <a:fld id="{9FF74AA5-8A3E-4FDB-94BB-BF4B31CB4E38}" type="datetimeFigureOut">
               <a:rPr lang="en-CA" smtClean="0"/>
-              <a:t>2025-11-09</a:t>
+              <a:t>2026-02-06</a:t>
             </a:fld>
             <a:endParaRPr lang="en-CA"/>
           </a:p>
@@ -400,7 +400,7 @@
           <a:p>
             <a:fld id="{217E5156-1B5D-054E-B5B2-E1B1BA160252}" type="datetimeFigureOut">
               <a:rPr lang="fr-FR" smtClean="0"/>
-              <a:t>09/11/2025</a:t>
+              <a:t>06/02/2026</a:t>
             </a:fld>
             <a:endParaRPr lang="fr-FR"/>
           </a:p>
@@ -3163,8 +3163,8 @@
         </p:nvSpPr>
         <p:spPr>
           <a:xfrm>
-            <a:off x="80296" y="6075446"/>
-            <a:ext cx="3567878" cy="646331"/>
+            <a:off x="80296" y="5613781"/>
+            <a:ext cx="3567878" cy="923330"/>
           </a:xfrm>
           <a:prstGeom prst="rect">
             <a:avLst/>
@@ -3181,7 +3181,7 @@
               <a:rPr lang="en-CA" sz="1800" dirty="0">
                 <a:latin typeface="Helvetica Light"/>
               </a:rPr>
-              <a:t>Benjamin Z. Rudski</a:t>
+              <a:t>Lead: Benjamin Z. Rudski</a:t>
             </a:r>
           </a:p>
           <a:p>
@@ -3189,7 +3189,15 @@
               <a:rPr lang="en-CA" sz="1800" dirty="0">
                 <a:latin typeface="Helvetica Light"/>
               </a:rPr>
-              <a:t>November 13, 2025</a:t>
+              <a:t>Facilitator: Sameena Karsan</a:t>
+            </a:r>
+          </a:p>
+          <a:p>
+            <a:r>
+              <a:rPr lang="en-CA" sz="1800" dirty="0">
+                <a:latin typeface="Helvetica Light"/>
+              </a:rPr>
+              <a:t>February 11, 2026</a:t>
             </a:r>
             <a:endParaRPr lang="en-CA" dirty="0">
               <a:latin typeface="Helvetica Light"/>
@@ -3707,10 +3715,10 @@
       </p:sp>
       <p:pic>
         <p:nvPicPr>
-          <p:cNvPr id="3" name="Picture 2">
+          <p:cNvPr id="2" name="Picture 1">
             <a:extLst>
               <a:ext uri="{FF2B5EF4-FFF2-40B4-BE49-F238E27FC236}">
-                <a16:creationId xmlns:a16="http://schemas.microsoft.com/office/drawing/2014/main" id="{B7DF5B93-5AD7-48E9-BD8D-CD406B453297}"/>
+                <a16:creationId xmlns:a16="http://schemas.microsoft.com/office/drawing/2014/main" id="{6C69662F-A1C2-FE8A-835A-B5EA24525124}"/>
               </a:ext>
             </a:extLst>
           </p:cNvPr>
@@ -3721,69 +3729,20 @@
         </p:nvPicPr>
         <p:blipFill>
           <a:blip r:embed="rId4"/>
-          <a:srcRect b="24034"/>
           <a:stretch>
             <a:fillRect/>
           </a:stretch>
         </p:blipFill>
         <p:spPr>
           <a:xfrm>
-            <a:off x="685800" y="2094448"/>
-            <a:ext cx="7772400" cy="3009583"/>
+            <a:off x="685800" y="2386087"/>
+            <a:ext cx="7772400" cy="2426304"/>
           </a:xfrm>
           <a:prstGeom prst="rect">
             <a:avLst/>
           </a:prstGeom>
         </p:spPr>
       </p:pic>
-      <p:sp>
-        <p:nvSpPr>
-          <p:cNvPr id="6" name="TextBox 5">
-            <a:extLst>
-              <a:ext uri="{FF2B5EF4-FFF2-40B4-BE49-F238E27FC236}">
-                <a16:creationId xmlns:a16="http://schemas.microsoft.com/office/drawing/2014/main" id="{082F5C12-37BB-8296-44E4-3A894081D3AD}"/>
-              </a:ext>
-            </a:extLst>
-          </p:cNvPr>
-          <p:cNvSpPr txBox="1"/>
-          <p:nvPr/>
-        </p:nvSpPr>
-        <p:spPr>
-          <a:xfrm>
-            <a:off x="1868520" y="5626007"/>
-            <a:ext cx="5406960" cy="369460"/>
-          </a:xfrm>
-          <a:prstGeom prst="rect">
-            <a:avLst/>
-          </a:prstGeom>
-          <a:noFill/>
-        </p:spPr>
-        <p:txBody>
-          <a:bodyPr wrap="square">
-            <a:spAutoFit/>
-          </a:bodyPr>
-          <a:lstStyle>
-            <a:defPPr>
-              <a:defRPr lang="fr-FR"/>
-            </a:defPPr>
-            <a:lvl1pPr>
-              <a:defRPr>
-                <a:latin typeface="Helvetica" pitchFamily="2" charset="0"/>
-              </a:defRPr>
-            </a:lvl1pPr>
-          </a:lstStyle>
-          <a:p>
-            <a:pPr algn="ctr"/>
-            <a:r>
-              <a:rPr lang="en-CA" dirty="0">
-                <a:hlinkClick r:id="rId5"/>
-              </a:rPr>
-              <a:t>https://involvement.mcgill.ca/organization/micm</a:t>
-            </a:r>
-            <a:endParaRPr lang="en-CA" dirty="0"/>
-          </a:p>
-        </p:txBody>
-      </p:sp>
     </p:spTree>
     <p:extLst>
       <p:ext uri="{BB962C8B-B14F-4D97-AF65-F5344CB8AC3E}">

--- a/Slides/QLS-MiCM_IntroToPython.pptx
+++ b/Slides/QLS-MiCM_IntroToPython.pptx
@@ -5,10 +5,10 @@
     <p:sldMasterId id="2147483660" r:id="rId1"/>
   </p:sldMasterIdLst>
   <p:notesMasterIdLst>
-    <p:notesMasterId r:id="rId11"/>
+    <p:notesMasterId r:id="rId12"/>
   </p:notesMasterIdLst>
   <p:handoutMasterIdLst>
-    <p:handoutMasterId r:id="rId12"/>
+    <p:handoutMasterId r:id="rId13"/>
   </p:handoutMasterIdLst>
   <p:sldIdLst>
     <p:sldId id="316" r:id="rId2"/>
@@ -20,6 +20,7 @@
     <p:sldId id="329" r:id="rId8"/>
     <p:sldId id="354" r:id="rId9"/>
     <p:sldId id="340" r:id="rId10"/>
+    <p:sldId id="396" r:id="rId11"/>
   </p:sldIdLst>
   <p:sldSz cx="9144000" cy="6858000" type="screen4x3"/>
   <p:notesSz cx="6858000" cy="9144000"/>
@@ -223,7 +224,7 @@
           <a:p>
             <a:fld id="{9FF74AA5-8A3E-4FDB-94BB-BF4B31CB4E38}" type="datetimeFigureOut">
               <a:rPr lang="en-CA" smtClean="0"/>
-              <a:t>2026-02-06</a:t>
+              <a:t>2026-02-13</a:t>
             </a:fld>
             <a:endParaRPr lang="en-CA"/>
           </a:p>
@@ -400,7 +401,7 @@
           <a:p>
             <a:fld id="{217E5156-1B5D-054E-B5B2-E1B1BA160252}" type="datetimeFigureOut">
               <a:rPr lang="fr-FR" smtClean="0"/>
-              <a:t>06/02/2026</a:t>
+              <a:t>13/02/2026</a:t>
             </a:fld>
             <a:endParaRPr lang="fr-FR"/>
           </a:p>
@@ -1269,6 +1270,114 @@
     <p:extLst>
       <p:ext uri="{BB962C8B-B14F-4D97-AF65-F5344CB8AC3E}">
         <p14:creationId xmlns:p14="http://schemas.microsoft.com/office/powerpoint/2010/main" val="1735119159"/>
+      </p:ext>
+    </p:extLst>
+  </p:cSld>
+  <p:clrMapOvr>
+    <a:masterClrMapping/>
+  </p:clrMapOvr>
+</p:notes>
+</file>
+
+<file path=ppt/notesSlides/notesSlide8.xml><?xml version="1.0" encoding="utf-8"?>
+<p:notes xmlns:a="http://schemas.openxmlformats.org/drawingml/2006/main" xmlns:r="http://schemas.openxmlformats.org/officeDocument/2006/relationships" xmlns:p="http://schemas.openxmlformats.org/presentationml/2006/main">
+  <p:cSld>
+    <p:spTree>
+      <p:nvGrpSpPr>
+        <p:cNvPr id="1" name="">
+          <a:extLst>
+            <a:ext uri="{FF2B5EF4-FFF2-40B4-BE49-F238E27FC236}">
+              <a16:creationId xmlns:a16="http://schemas.microsoft.com/office/drawing/2014/main" id="{6C715CC4-CA08-A4D8-604C-073CAC83E853}"/>
+            </a:ext>
+          </a:extLst>
+        </p:cNvPr>
+        <p:cNvGrpSpPr/>
+        <p:nvPr/>
+      </p:nvGrpSpPr>
+      <p:grpSpPr>
+        <a:xfrm>
+          <a:off x="0" y="0"/>
+          <a:ext cx="0" cy="0"/>
+          <a:chOff x="0" y="0"/>
+          <a:chExt cx="0" cy="0"/>
+        </a:xfrm>
+      </p:grpSpPr>
+      <p:sp>
+        <p:nvSpPr>
+          <p:cNvPr id="2" name="Slide Image Placeholder 1">
+            <a:extLst>
+              <a:ext uri="{FF2B5EF4-FFF2-40B4-BE49-F238E27FC236}">
+                <a16:creationId xmlns:a16="http://schemas.microsoft.com/office/drawing/2014/main" id="{2317897D-EF7E-82CB-D1BF-722EE6F58CDC}"/>
+              </a:ext>
+            </a:extLst>
+          </p:cNvPr>
+          <p:cNvSpPr>
+            <a:spLocks noGrp="1" noRot="1" noChangeAspect="1"/>
+          </p:cNvSpPr>
+          <p:nvPr>
+            <p:ph type="sldImg"/>
+          </p:nvPr>
+        </p:nvSpPr>
+        <p:spPr/>
+      </p:sp>
+      <p:sp>
+        <p:nvSpPr>
+          <p:cNvPr id="3" name="Notes Placeholder 2">
+            <a:extLst>
+              <a:ext uri="{FF2B5EF4-FFF2-40B4-BE49-F238E27FC236}">
+                <a16:creationId xmlns:a16="http://schemas.microsoft.com/office/drawing/2014/main" id="{0C6D3A4E-8905-B93D-0293-1E71633756D9}"/>
+              </a:ext>
+            </a:extLst>
+          </p:cNvPr>
+          <p:cNvSpPr>
+            <a:spLocks noGrp="1"/>
+          </p:cNvSpPr>
+          <p:nvPr>
+            <p:ph type="body" idx="1"/>
+          </p:nvPr>
+        </p:nvSpPr>
+        <p:spPr/>
+        <p:txBody>
+          <a:bodyPr/>
+          <a:lstStyle/>
+          <a:p>
+            <a:endParaRPr lang="en-CA" dirty="0"/>
+          </a:p>
+        </p:txBody>
+      </p:sp>
+      <p:sp>
+        <p:nvSpPr>
+          <p:cNvPr id="4" name="Slide Number Placeholder 3">
+            <a:extLst>
+              <a:ext uri="{FF2B5EF4-FFF2-40B4-BE49-F238E27FC236}">
+                <a16:creationId xmlns:a16="http://schemas.microsoft.com/office/drawing/2014/main" id="{9FFA19D9-6551-28FB-5575-A820477CFFE8}"/>
+              </a:ext>
+            </a:extLst>
+          </p:cNvPr>
+          <p:cNvSpPr>
+            <a:spLocks noGrp="1"/>
+          </p:cNvSpPr>
+          <p:nvPr>
+            <p:ph type="sldNum" sz="quarter" idx="5"/>
+          </p:nvPr>
+        </p:nvSpPr>
+        <p:spPr/>
+        <p:txBody>
+          <a:bodyPr/>
+          <a:lstStyle/>
+          <a:p>
+            <a:fld id="{DACBD60B-517C-4242-AE46-E1BD2D086542}" type="slidenum">
+              <a:rPr lang="fr-FR" smtClean="0"/>
+              <a:t>10</a:t>
+            </a:fld>
+            <a:endParaRPr lang="fr-FR"/>
+          </a:p>
+        </p:txBody>
+      </p:sp>
+    </p:spTree>
+    <p:extLst>
+      <p:ext uri="{BB962C8B-B14F-4D97-AF65-F5344CB8AC3E}">
+        <p14:creationId xmlns:p14="http://schemas.microsoft.com/office/powerpoint/2010/main" val="3075702054"/>
       </p:ext>
     </p:extLst>
   </p:cSld>
@@ -3181,7 +3290,7 @@
               <a:rPr lang="en-CA" sz="1800" dirty="0">
                 <a:latin typeface="Helvetica Light"/>
               </a:rPr>
-              <a:t>Lead: Benjamin Z. Rudski</a:t>
+              <a:t>Lead: Sameena Karsan</a:t>
             </a:r>
           </a:p>
           <a:p>
@@ -3189,7 +3298,7 @@
               <a:rPr lang="en-CA" sz="1800" dirty="0">
                 <a:latin typeface="Helvetica Light"/>
               </a:rPr>
-              <a:t>Facilitator: Sameena Karsan</a:t>
+              <a:t>Facilitator: James Randolph</a:t>
             </a:r>
           </a:p>
           <a:p>
@@ -3197,7 +3306,7 @@
               <a:rPr lang="en-CA" sz="1800" dirty="0">
                 <a:latin typeface="Helvetica Light"/>
               </a:rPr>
-              <a:t>February 11, 2026</a:t>
+              <a:t>February 18, 2026</a:t>
             </a:r>
             <a:endParaRPr lang="en-CA" dirty="0">
               <a:latin typeface="Helvetica Light"/>
@@ -3264,6 +3373,111 @@
   <p:clrMapOvr>
     <a:masterClrMapping/>
   </p:clrMapOvr>
+</p:sld>
+</file>
+
+<file path=ppt/slides/slide10.xml><?xml version="1.0" encoding="utf-8"?>
+<p:sld xmlns:a="http://schemas.openxmlformats.org/drawingml/2006/main" xmlns:r="http://schemas.openxmlformats.org/officeDocument/2006/relationships" xmlns:p="http://schemas.openxmlformats.org/presentationml/2006/main">
+  <p:cSld>
+    <p:spTree>
+      <p:nvGrpSpPr>
+        <p:cNvPr id="1" name="">
+          <a:extLst>
+            <a:ext uri="{FF2B5EF4-FFF2-40B4-BE49-F238E27FC236}">
+              <a16:creationId xmlns:a16="http://schemas.microsoft.com/office/drawing/2014/main" id="{E810A0C6-696E-0643-0690-3D6FA0B6A29E}"/>
+            </a:ext>
+          </a:extLst>
+        </p:cNvPr>
+        <p:cNvGrpSpPr/>
+        <p:nvPr/>
+      </p:nvGrpSpPr>
+      <p:grpSpPr>
+        <a:xfrm>
+          <a:off x="0" y="0"/>
+          <a:ext cx="0" cy="0"/>
+          <a:chOff x="0" y="0"/>
+          <a:chExt cx="0" cy="0"/>
+        </a:xfrm>
+      </p:grpSpPr>
+      <p:sp>
+        <p:nvSpPr>
+          <p:cNvPr id="5" name="Title 4">
+            <a:extLst>
+              <a:ext uri="{FF2B5EF4-FFF2-40B4-BE49-F238E27FC236}">
+                <a16:creationId xmlns:a16="http://schemas.microsoft.com/office/drawing/2014/main" id="{34C4C26C-2B0B-68BB-1784-01F964A898B0}"/>
+              </a:ext>
+            </a:extLst>
+          </p:cNvPr>
+          <p:cNvSpPr>
+            <a:spLocks noGrp="1"/>
+          </p:cNvSpPr>
+          <p:nvPr>
+            <p:ph type="title"/>
+          </p:nvPr>
+        </p:nvSpPr>
+        <p:spPr/>
+        <p:txBody>
+          <a:bodyPr/>
+          <a:lstStyle/>
+          <a:p>
+            <a:r>
+              <a:rPr lang="en-US" dirty="0"/>
+              <a:t>Feedback</a:t>
+            </a:r>
+          </a:p>
+        </p:txBody>
+      </p:sp>
+      <p:pic>
+        <p:nvPicPr>
+          <p:cNvPr id="3" name="Content Placeholder 2" descr="A qr code on a white background&#10;&#10;AI-generated content may be incorrect.">
+            <a:extLst>
+              <a:ext uri="{FF2B5EF4-FFF2-40B4-BE49-F238E27FC236}">
+                <a16:creationId xmlns:a16="http://schemas.microsoft.com/office/drawing/2014/main" id="{F78A5C6F-ABC8-5430-12F0-94DD470A3E05}"/>
+              </a:ext>
+            </a:extLst>
+          </p:cNvPr>
+          <p:cNvPicPr>
+            <a:picLocks noGrp="1" noChangeAspect="1"/>
+          </p:cNvPicPr>
+          <p:nvPr>
+            <p:ph idx="1"/>
+          </p:nvPr>
+        </p:nvPicPr>
+        <p:blipFill>
+          <a:blip r:embed="rId3"/>
+          <a:stretch>
+            <a:fillRect/>
+          </a:stretch>
+        </p:blipFill>
+        <p:spPr>
+          <a:xfrm>
+            <a:off x="2723515" y="1690688"/>
+            <a:ext cx="3358787" cy="4198484"/>
+          </a:xfrm>
+        </p:spPr>
+      </p:pic>
+    </p:spTree>
+    <p:extLst>
+      <p:ext uri="{BB962C8B-B14F-4D97-AF65-F5344CB8AC3E}">
+        <p14:creationId xmlns:p14="http://schemas.microsoft.com/office/powerpoint/2010/main" val="1584135161"/>
+      </p:ext>
+    </p:extLst>
+  </p:cSld>
+  <p:clrMapOvr>
+    <a:masterClrMapping/>
+  </p:clrMapOvr>
+  <mc:AlternateContent xmlns:mc="http://schemas.openxmlformats.org/markup-compatibility/2006">
+    <mc:Choice xmlns:p159="http://schemas.microsoft.com/office/powerpoint/2015/09/main" Requires="p159">
+      <p:transition xmlns:p14="http://schemas.microsoft.com/office/powerpoint/2010/main" spd="slow" p14:dur="2000">
+        <p159:morph option="byObject"/>
+      </p:transition>
+    </mc:Choice>
+    <mc:Fallback>
+      <p:transition spd="slow">
+        <p:fade/>
+      </p:transition>
+    </mc:Fallback>
+  </mc:AlternateContent>
 </p:sld>
 </file>
 
@@ -3877,7 +4091,7 @@
                 <a:latin typeface="Arial" panose="020B0604020202020204" pitchFamily="34" charset="0"/>
                 <a:ea typeface="Arial" panose="020B0604020202020204" pitchFamily="34" charset="0"/>
               </a:rPr>
-              <a:t>In this 4-hour workshop, participants will be introduced to the basics of programming in Python. Students will journey from the beginnings of creating variables and performing simple mathematical operations to writing code that can perform fundamental tasks and wrapping this code into functions. Participants will learn how to write the important building blocks that make up complex programs.</a:t>
+              <a:t>In this 2-hour workshop, participants will be introduced to the basics of programming in Python. Students will journey from the beginnings of creating variables and performing simple mathematical operations to writing code that can perform fundamental tasks and wrapping this code into functions. Participants will learn how to write the important building blocks that make up complex programs.</a:t>
             </a:r>
           </a:p>
           <a:p>
@@ -4133,7 +4347,7 @@
                 <a:latin typeface="Arial" panose="020B0604020202020204" pitchFamily="34" charset="0"/>
                 <a:cs typeface="Arial" panose="020B0604020202020204" pitchFamily="34" charset="0"/>
               </a:rPr>
-              <a:t>Module 1 – Python Basics (1 hour)</a:t>
+              <a:t>Module 1 – Python Basics (30 minutes)</a:t>
             </a:r>
             <a:endParaRPr lang="en-CA" sz="2000" dirty="0">
               <a:latin typeface="Arial" panose="020B0604020202020204" pitchFamily="34" charset="0"/>
@@ -4235,7 +4449,7 @@
                 <a:latin typeface="Arial" panose="020B0604020202020204" pitchFamily="34" charset="0"/>
                 <a:cs typeface="Arial" panose="020B0604020202020204" pitchFamily="34" charset="0"/>
               </a:rPr>
-              <a:t>Module 2 – Collections (1 hour)</a:t>
+              <a:t>Module 2 – Collections (30 minutes)</a:t>
             </a:r>
             <a:endParaRPr lang="en-CA" sz="2000" dirty="0">
               <a:latin typeface="Arial" panose="020B0604020202020204" pitchFamily="34" charset="0"/>
@@ -4425,7 +4639,7 @@
                 <a:latin typeface="Arial" panose="020B0604020202020204" pitchFamily="34" charset="0"/>
                 <a:cs typeface="Arial" panose="020B0604020202020204" pitchFamily="34" charset="0"/>
               </a:rPr>
-              <a:t>Module 3 - Intro to Control Flow and Loops (40 minutes)</a:t>
+              <a:t>Module 3 - Intro to Control Flow and Loops (30 minutes)</a:t>
             </a:r>
             <a:endParaRPr lang="en-CA" sz="2000" dirty="0">
               <a:latin typeface="Arial" panose="020B0604020202020204" pitchFamily="34" charset="0"/>
@@ -4493,7 +4707,7 @@
                 <a:latin typeface="Arial" panose="020B0604020202020204" pitchFamily="34" charset="0"/>
                 <a:cs typeface="Arial" panose="020B0604020202020204" pitchFamily="34" charset="0"/>
               </a:rPr>
-              <a:t>Module 4 – Introduction to Functions (30 minutes)</a:t>
+              <a:t>Module 4 – Introduction to Functions (25 minutes)</a:t>
             </a:r>
             <a:endParaRPr lang="en-CA" sz="2000" dirty="0">
               <a:latin typeface="Arial" panose="020B0604020202020204" pitchFamily="34" charset="0"/>
@@ -4591,7 +4805,7 @@
                 <a:latin typeface="Arial" panose="020B0604020202020204" pitchFamily="34" charset="0"/>
                 <a:cs typeface="Arial" panose="020B0604020202020204" pitchFamily="34" charset="0"/>
               </a:rPr>
-              <a:t>Module 5 – Where to go from here (10 minutes)</a:t>
+              <a:t>Module 5 – Where to go from here (5 minutes)</a:t>
             </a:r>
             <a:endParaRPr lang="en-CA" sz="2000" dirty="0">
               <a:latin typeface="Arial" panose="020B0604020202020204" pitchFamily="34" charset="0"/>
